--- a/ppt/MOD_5.pptx
+++ b/ppt/MOD_5.pptx
@@ -105,6 +105,11 @@
       </a:defRPr>
     </a:lvl9pPr>
   </p:defaultTextStyle>
+  <p:extLst>
+    <p:ext uri="{EFAFB233-063F-42B5-8137-9DF3F51BA10A}">
+      <p15:sldGuideLst xmlns:p15="http://schemas.microsoft.com/office/powerpoint/2012/main"/>
+    </p:ext>
+  </p:extLst>
 </p:presentation>
 </file>
 
@@ -3338,12 +3343,24 @@
             <p:ph type="ctrTitle"/>
           </p:nvPr>
         </p:nvSpPr>
-        <p:spPr/>
+        <p:spPr>
+          <a:xfrm>
+            <a:off x="1524000" y="665163"/>
+            <a:ext cx="9144000" cy="2047557"/>
+          </a:xfrm>
+        </p:spPr>
         <p:txBody>
           <a:bodyPr/>
           <a:lstStyle/>
           <a:p>
-            <a:endParaRPr lang="en-US"/>
+            <a:r>
+              <a:rPr lang="en-US" b="1" dirty="0" err="1"/>
+              <a:t>EmoJ</a:t>
+            </a:r>
+            <a:r>
+              <a:rPr lang="en-US" b="1" dirty="0"/>
+              <a:t>       – A Journal of emotional state</a:t>
+            </a:r>
           </a:p>
         </p:txBody>
       </p:sp>
@@ -3363,15 +3380,160 @@
             <p:ph type="subTitle" idx="1"/>
           </p:nvPr>
         </p:nvSpPr>
-        <p:spPr/>
-        <p:txBody>
-          <a:bodyPr/>
+        <p:spPr>
+          <a:xfrm>
+            <a:off x="1422400" y="3774440"/>
+            <a:ext cx="9144000" cy="2636520"/>
+          </a:xfrm>
+        </p:spPr>
+        <p:txBody>
+          <a:bodyPr>
+            <a:normAutofit lnSpcReduction="10000"/>
+          </a:bodyPr>
           <a:lstStyle/>
           <a:p>
-            <a:endParaRPr lang="en-US"/>
-          </a:p>
-        </p:txBody>
-      </p:sp>
+            <a:r>
+              <a:rPr lang="en-US" dirty="0"/>
+              <a:t>Chamila Dharmawardhana, PhD</a:t>
+            </a:r>
+          </a:p>
+          <a:p>
+            <a:endParaRPr lang="en-US" dirty="0"/>
+          </a:p>
+          <a:p>
+            <a:r>
+              <a:rPr lang="en-US" dirty="0"/>
+              <a:t>Capstone project</a:t>
+            </a:r>
+          </a:p>
+          <a:p>
+            <a:r>
+              <a:rPr lang="en-US" dirty="0"/>
+              <a:t>Flatiron School </a:t>
+            </a:r>
+          </a:p>
+          <a:p>
+            <a:r>
+              <a:rPr lang="en-US" dirty="0"/>
+              <a:t>Data Science </a:t>
+            </a:r>
+          </a:p>
+          <a:p>
+            <a:r>
+              <a:rPr lang="en-US" dirty="0"/>
+              <a:t>07/2020</a:t>
+            </a:r>
+          </a:p>
+        </p:txBody>
+      </p:sp>
+      <p:grpSp>
+        <p:nvGrpSpPr>
+          <p:cNvPr id="7" name="Group 6">
+            <a:extLst>
+              <a:ext uri="{FF2B5EF4-FFF2-40B4-BE49-F238E27FC236}">
+                <a16:creationId xmlns:a16="http://schemas.microsoft.com/office/drawing/2014/main" id="{A9FEFC0D-2472-40A2-BABB-37F53FFCE040}"/>
+              </a:ext>
+            </a:extLst>
+          </p:cNvPr>
+          <p:cNvGrpSpPr/>
+          <p:nvPr/>
+        </p:nvGrpSpPr>
+        <p:grpSpPr>
+          <a:xfrm>
+            <a:off x="4393190" y="944880"/>
+            <a:ext cx="1052768" cy="1177945"/>
+            <a:chOff x="8711190" y="2712720"/>
+            <a:chExt cx="1052768" cy="1177945"/>
+          </a:xfrm>
+        </p:grpSpPr>
+        <p:pic>
+          <p:nvPicPr>
+            <p:cNvPr id="5" name="Picture 4" descr="A picture containing drawing&#10;&#10;Description automatically generated">
+              <a:extLst>
+                <a:ext uri="{FF2B5EF4-FFF2-40B4-BE49-F238E27FC236}">
+                  <a16:creationId xmlns:a16="http://schemas.microsoft.com/office/drawing/2014/main" id="{EF114C69-DFE1-4832-AF24-18B340F4AA6C}"/>
+                </a:ext>
+              </a:extLst>
+            </p:cNvPr>
+            <p:cNvPicPr>
+              <a:picLocks noChangeAspect="1"/>
+            </p:cNvPicPr>
+            <p:nvPr/>
+          </p:nvPicPr>
+          <p:blipFill>
+            <a:blip r:embed="rId2">
+              <a:extLst>
+                <a:ext uri="{28A0092B-C50C-407E-A947-70E740481C1C}">
+                  <a14:useLocalDpi xmlns:a14="http://schemas.microsoft.com/office/drawing/2010/main" val="0"/>
+                </a:ext>
+              </a:extLst>
+            </a:blip>
+            <a:stretch>
+              <a:fillRect/>
+            </a:stretch>
+          </p:blipFill>
+          <p:spPr>
+            <a:xfrm>
+              <a:off x="8711190" y="2712720"/>
+              <a:ext cx="845820" cy="828903"/>
+            </a:xfrm>
+            <a:prstGeom prst="rect">
+              <a:avLst/>
+            </a:prstGeom>
+          </p:spPr>
+        </p:pic>
+        <p:sp>
+          <p:nvSpPr>
+            <p:cNvPr id="6" name="Rectangle 5">
+              <a:extLst>
+                <a:ext uri="{FF2B5EF4-FFF2-40B4-BE49-F238E27FC236}">
+                  <a16:creationId xmlns:a16="http://schemas.microsoft.com/office/drawing/2014/main" id="{2F499EC5-3710-473B-B49E-6EF02EC3934C}"/>
+                </a:ext>
+              </a:extLst>
+            </p:cNvPr>
+            <p:cNvSpPr/>
+            <p:nvPr/>
+          </p:nvSpPr>
+          <p:spPr>
+            <a:xfrm>
+              <a:off x="9350062" y="2967335"/>
+              <a:ext cx="413896" cy="923330"/>
+            </a:xfrm>
+            <a:prstGeom prst="rect">
+              <a:avLst/>
+            </a:prstGeom>
+            <a:noFill/>
+          </p:spPr>
+          <p:txBody>
+            <a:bodyPr wrap="none" lIns="91440" tIns="45720" rIns="91440" bIns="45720">
+              <a:spAutoFit/>
+            </a:bodyPr>
+            <a:lstStyle/>
+            <a:p>
+              <a:pPr algn="ctr"/>
+              <a:r>
+                <a:rPr lang="en-US" sz="5400" b="1" dirty="0">
+                  <a:ln w="6600">
+                    <a:solidFill>
+                      <a:schemeClr val="tx1"/>
+                    </a:solidFill>
+                    <a:prstDash val="solid"/>
+                  </a:ln>
+                  <a:solidFill>
+                    <a:srgbClr val="FFFFFF"/>
+                  </a:solidFill>
+                  <a:effectLst>
+                    <a:outerShdw dist="38100" dir="2700000" algn="tl" rotWithShape="0">
+                      <a:schemeClr val="accent2"/>
+                    </a:outerShdw>
+                  </a:effectLst>
+                </a:rPr>
+                <a:t>J</a:t>
+              </a:r>
+            </a:p>
+          </p:txBody>
+        </p:sp>
+      </p:grpSp>
     </p:spTree>
     <p:extLst>
       <p:ext uri="{BB962C8B-B14F-4D97-AF65-F5344CB8AC3E}">
